--- a/assignment1/assignment1.pptx
+++ b/assignment1/assignment1.pptx
@@ -4263,6 +4263,1143 @@
           <a:chExt cx="0" cy="0"/>
         </a:xfrm>
       </p:grpSpPr>
+      <p:sp>
+        <p:nvSpPr>
+          <p:cNvPr id="2" name="Rectangle 4"/>
+          <p:cNvSpPr>
+            <a:spLocks noChangeArrowheads="1"/>
+          </p:cNvSpPr>
+          <p:nvPr/>
+        </p:nvSpPr>
+        <p:spPr bwMode="auto">
+          <a:xfrm>
+            <a:off x="1965325" y="1228725"/>
+            <a:ext cx="3727450" cy="3473450"/>
+          </a:xfrm>
+          <a:prstGeom prst="rect">
+            <a:avLst/>
+          </a:prstGeom>
+          <a:solidFill>
+            <a:srgbClr val="FFFFFF"/>
+          </a:solidFill>
+          <a:ln w="9525">
+            <a:solidFill>
+              <a:srgbClr val="000000"/>
+            </a:solidFill>
+            <a:miter lim="800000"/>
+            <a:headEnd/>
+            <a:tailEnd/>
+          </a:ln>
+        </p:spPr>
+        <p:txBody>
+          <a:bodyPr vert="horz" wrap="square" lIns="91440" tIns="45720" rIns="91440" bIns="45720" numCol="1" anchor="t" anchorCtr="0" compatLnSpc="1">
+            <a:prstTxWarp prst="textNoShape">
+              <a:avLst/>
+            </a:prstTxWarp>
+          </a:bodyPr>
+          <a:lstStyle/>
+          <a:p>
+            <a:pPr marL="0" marR="0" lvl="0" indent="0" algn="ctr" defTabSz="914400" rtl="0" eaLnBrk="1" fontAlgn="base" latinLnBrk="0" hangingPunct="1">
+              <a:lnSpc>
+                <a:spcPct val="100000"/>
+              </a:lnSpc>
+              <a:spcBef>
+                <a:spcPct val="0"/>
+              </a:spcBef>
+              <a:spcAft>
+                <a:spcPts val="1000"/>
+              </a:spcAft>
+              <a:buClrTx/>
+              <a:buSzTx/>
+              <a:buFontTx/>
+              <a:buNone/>
+              <a:tabLst/>
+            </a:pPr>
+            <a:r>
+              <a:rPr kumimoji="0" lang="nl-NL" altLang="en-US" sz="1100" b="0" i="0" u="none" strike="noStrike" cap="none" normalizeH="0" baseline="0" smtClean="0">
+                <a:ln>
+                  <a:noFill/>
+                </a:ln>
+                <a:solidFill>
+                  <a:schemeClr val="tx1"/>
+                </a:solidFill>
+                <a:effectLst/>
+                <a:latin typeface="Calibri" pitchFamily="34" charset="0"/>
+                <a:cs typeface="Arial" pitchFamily="34" charset="0"/>
+              </a:rPr>
+              <a:t>Client session</a:t>
+            </a:r>
+            <a:endParaRPr kumimoji="0" lang="en-US" altLang="en-US" sz="1800" b="0" i="0" u="none" strike="noStrike" cap="none" normalizeH="0" baseline="0" smtClean="0">
+              <a:ln>
+                <a:noFill/>
+              </a:ln>
+              <a:solidFill>
+                <a:schemeClr val="tx1"/>
+              </a:solidFill>
+              <a:effectLst/>
+              <a:latin typeface="Arial" pitchFamily="34" charset="0"/>
+              <a:cs typeface="Arial" pitchFamily="34" charset="0"/>
+            </a:endParaRPr>
+          </a:p>
+        </p:txBody>
+      </p:sp>
+      <p:sp>
+        <p:nvSpPr>
+          <p:cNvPr id="3" name="Rectangle 5"/>
+          <p:cNvSpPr>
+            <a:spLocks noChangeArrowheads="1"/>
+          </p:cNvSpPr>
+          <p:nvPr/>
+        </p:nvSpPr>
+        <p:spPr bwMode="auto">
+          <a:xfrm>
+            <a:off x="2057400" y="2538413"/>
+            <a:ext cx="1054100" cy="573087"/>
+          </a:xfrm>
+          <a:prstGeom prst="rect">
+            <a:avLst/>
+          </a:prstGeom>
+          <a:solidFill>
+            <a:srgbClr val="FFFFFF"/>
+          </a:solidFill>
+          <a:ln w="9525">
+            <a:solidFill>
+              <a:srgbClr val="000000"/>
+            </a:solidFill>
+            <a:miter lim="800000"/>
+            <a:headEnd/>
+            <a:tailEnd/>
+          </a:ln>
+        </p:spPr>
+        <p:txBody>
+          <a:bodyPr vert="horz" wrap="square" lIns="91440" tIns="45720" rIns="91440" bIns="45720" numCol="1" anchor="t" anchorCtr="0" compatLnSpc="1">
+            <a:prstTxWarp prst="textNoShape">
+              <a:avLst/>
+            </a:prstTxWarp>
+          </a:bodyPr>
+          <a:lstStyle/>
+          <a:p>
+            <a:pPr marL="0" marR="0" lvl="0" indent="0" algn="ctr" defTabSz="914400" rtl="0" eaLnBrk="1" fontAlgn="base" latinLnBrk="0" hangingPunct="1">
+              <a:lnSpc>
+                <a:spcPct val="100000"/>
+              </a:lnSpc>
+              <a:spcBef>
+                <a:spcPct val="0"/>
+              </a:spcBef>
+              <a:spcAft>
+                <a:spcPts val="1000"/>
+              </a:spcAft>
+              <a:buClrTx/>
+              <a:buSzTx/>
+              <a:buFontTx/>
+              <a:buNone/>
+              <a:tabLst/>
+            </a:pPr>
+            <a:r>
+              <a:rPr kumimoji="0" lang="nl-NL" altLang="en-US" sz="1100" b="0" i="0" u="none" strike="noStrike" cap="none" normalizeH="0" baseline="0" smtClean="0">
+                <a:ln>
+                  <a:noFill/>
+                </a:ln>
+                <a:solidFill>
+                  <a:schemeClr val="tx1"/>
+                </a:solidFill>
+                <a:effectLst/>
+                <a:latin typeface="Calibri" pitchFamily="34" charset="0"/>
+                <a:cs typeface="Arial" pitchFamily="34" charset="0"/>
+              </a:rPr>
+              <a:t>Configured storage format</a:t>
+            </a:r>
+            <a:endParaRPr kumimoji="0" lang="en-US" altLang="en-US" sz="1800" b="0" i="0" u="none" strike="noStrike" cap="none" normalizeH="0" baseline="0" smtClean="0">
+              <a:ln>
+                <a:noFill/>
+              </a:ln>
+              <a:solidFill>
+                <a:schemeClr val="tx1"/>
+              </a:solidFill>
+              <a:effectLst/>
+              <a:latin typeface="Arial" pitchFamily="34" charset="0"/>
+              <a:cs typeface="Arial" pitchFamily="34" charset="0"/>
+            </a:endParaRPr>
+          </a:p>
+        </p:txBody>
+      </p:sp>
+      <p:sp>
+        <p:nvSpPr>
+          <p:cNvPr id="4" name="Rectangle 6"/>
+          <p:cNvSpPr>
+            <a:spLocks noChangeArrowheads="1"/>
+          </p:cNvSpPr>
+          <p:nvPr/>
+        </p:nvSpPr>
+        <p:spPr bwMode="auto">
+          <a:xfrm>
+            <a:off x="3419872" y="1576387"/>
+            <a:ext cx="1962794" cy="395287"/>
+          </a:xfrm>
+          <a:prstGeom prst="rect">
+            <a:avLst/>
+          </a:prstGeom>
+          <a:solidFill>
+            <a:srgbClr val="FFFFFF"/>
+          </a:solidFill>
+          <a:ln w="9525">
+            <a:solidFill>
+              <a:srgbClr val="000000"/>
+            </a:solidFill>
+            <a:miter lim="800000"/>
+            <a:headEnd/>
+            <a:tailEnd/>
+          </a:ln>
+        </p:spPr>
+        <p:txBody>
+          <a:bodyPr vert="horz" wrap="square" lIns="91440" tIns="45720" rIns="91440" bIns="45720" numCol="1" anchor="t" anchorCtr="0" compatLnSpc="1">
+            <a:prstTxWarp prst="textNoShape">
+              <a:avLst/>
+            </a:prstTxWarp>
+          </a:bodyPr>
+          <a:lstStyle/>
+          <a:p>
+            <a:pPr marL="0" marR="0" lvl="0" indent="0" algn="ctr" defTabSz="914400" rtl="0" eaLnBrk="1" fontAlgn="base" latinLnBrk="0" hangingPunct="1">
+              <a:lnSpc>
+                <a:spcPct val="100000"/>
+              </a:lnSpc>
+              <a:spcBef>
+                <a:spcPct val="0"/>
+              </a:spcBef>
+              <a:spcAft>
+                <a:spcPts val="1000"/>
+              </a:spcAft>
+              <a:buClrTx/>
+              <a:buSzTx/>
+              <a:buFontTx/>
+              <a:buNone/>
+              <a:tabLst/>
+            </a:pPr>
+            <a:r>
+              <a:rPr kumimoji="0" lang="nl-NL" altLang="en-US" sz="1100" b="0" i="0" u="none" strike="noStrike" cap="none" normalizeH="0" baseline="0" dirty="0" smtClean="0">
+                <a:ln>
+                  <a:noFill/>
+                </a:ln>
+                <a:solidFill>
+                  <a:schemeClr val="tx1"/>
+                </a:solidFill>
+                <a:effectLst/>
+                <a:latin typeface="Calibri" pitchFamily="34" charset="0"/>
+                <a:cs typeface="Arial" pitchFamily="34" charset="0"/>
+              </a:rPr>
+              <a:t>List of </a:t>
+            </a:r>
+            <a:r>
+              <a:rPr kumimoji="0" lang="nl-NL" altLang="en-US" sz="1100" b="0" i="0" u="none" strike="noStrike" cap="none" normalizeH="0" baseline="0" dirty="0" err="1" smtClean="0">
+                <a:ln>
+                  <a:noFill/>
+                </a:ln>
+                <a:solidFill>
+                  <a:schemeClr val="tx1"/>
+                </a:solidFill>
+                <a:effectLst/>
+                <a:latin typeface="Calibri" pitchFamily="34" charset="0"/>
+                <a:cs typeface="Arial" pitchFamily="34" charset="0"/>
+              </a:rPr>
+              <a:t>raw</a:t>
+            </a:r>
+            <a:r>
+              <a:rPr kumimoji="0" lang="nl-NL" altLang="en-US" sz="1100" b="0" i="0" u="none" strike="noStrike" cap="none" normalizeH="0" baseline="0" dirty="0" smtClean="0">
+                <a:ln>
+                  <a:noFill/>
+                </a:ln>
+                <a:solidFill>
+                  <a:schemeClr val="tx1"/>
+                </a:solidFill>
+                <a:effectLst/>
+                <a:latin typeface="Calibri" pitchFamily="34" charset="0"/>
+                <a:cs typeface="Arial" pitchFamily="34" charset="0"/>
+              </a:rPr>
+              <a:t> </a:t>
+            </a:r>
+            <a:r>
+              <a:rPr kumimoji="0" lang="nl-NL" altLang="en-US" sz="1100" b="0" i="0" u="none" strike="noStrike" cap="none" normalizeH="0" baseline="0" dirty="0" err="1" smtClean="0">
+                <a:ln>
+                  <a:noFill/>
+                </a:ln>
+                <a:solidFill>
+                  <a:schemeClr val="tx1"/>
+                </a:solidFill>
+                <a:effectLst/>
+                <a:latin typeface="Calibri" pitchFamily="34" charset="0"/>
+                <a:cs typeface="Arial" pitchFamily="34" charset="0"/>
+              </a:rPr>
+              <a:t>references</a:t>
+            </a:r>
+            <a:endParaRPr kumimoji="0" lang="en-US" altLang="en-US" sz="1800" b="0" i="0" u="none" strike="noStrike" cap="none" normalizeH="0" baseline="0" dirty="0" smtClean="0">
+              <a:ln>
+                <a:noFill/>
+              </a:ln>
+              <a:solidFill>
+                <a:schemeClr val="tx1"/>
+              </a:solidFill>
+              <a:effectLst/>
+              <a:latin typeface="Arial" pitchFamily="34" charset="0"/>
+              <a:cs typeface="Arial" pitchFamily="34" charset="0"/>
+            </a:endParaRPr>
+          </a:p>
+        </p:txBody>
+      </p:sp>
+      <p:sp>
+        <p:nvSpPr>
+          <p:cNvPr id="5" name="Rectangle 7"/>
+          <p:cNvSpPr>
+            <a:spLocks noChangeArrowheads="1"/>
+          </p:cNvSpPr>
+          <p:nvPr/>
+        </p:nvSpPr>
+        <p:spPr bwMode="auto">
+          <a:xfrm>
+            <a:off x="3984625" y="2206625"/>
+            <a:ext cx="1311275" cy="1212850"/>
+          </a:xfrm>
+          <a:prstGeom prst="rect">
+            <a:avLst/>
+          </a:prstGeom>
+          <a:solidFill>
+            <a:srgbClr val="FFFFFF"/>
+          </a:solidFill>
+          <a:ln w="9525">
+            <a:solidFill>
+              <a:srgbClr val="000000"/>
+            </a:solidFill>
+            <a:miter lim="800000"/>
+            <a:headEnd/>
+            <a:tailEnd/>
+          </a:ln>
+        </p:spPr>
+        <p:txBody>
+          <a:bodyPr vert="horz" wrap="square" lIns="91440" tIns="45720" rIns="91440" bIns="45720" numCol="1" anchor="t" anchorCtr="0" compatLnSpc="1">
+            <a:prstTxWarp prst="textNoShape">
+              <a:avLst/>
+            </a:prstTxWarp>
+          </a:bodyPr>
+          <a:lstStyle/>
+          <a:p>
+            <a:pPr marL="0" marR="0" lvl="0" indent="0" algn="ctr" defTabSz="914400" rtl="0" eaLnBrk="1" fontAlgn="base" latinLnBrk="0" hangingPunct="1">
+              <a:lnSpc>
+                <a:spcPct val="100000"/>
+              </a:lnSpc>
+              <a:spcBef>
+                <a:spcPct val="0"/>
+              </a:spcBef>
+              <a:spcAft>
+                <a:spcPts val="1000"/>
+              </a:spcAft>
+              <a:buClrTx/>
+              <a:buSzTx/>
+              <a:buFontTx/>
+              <a:buNone/>
+              <a:tabLst/>
+            </a:pPr>
+            <a:r>
+              <a:rPr kumimoji="0" lang="nl-NL" altLang="en-US" sz="1100" b="0" i="0" u="none" strike="noStrike" cap="none" normalizeH="0" baseline="0" smtClean="0">
+                <a:ln>
+                  <a:noFill/>
+                </a:ln>
+                <a:solidFill>
+                  <a:schemeClr val="tx1"/>
+                </a:solidFill>
+                <a:effectLst/>
+                <a:latin typeface="Calibri" pitchFamily="34" charset="0"/>
+                <a:cs typeface="Arial" pitchFamily="34" charset="0"/>
+              </a:rPr>
+              <a:t>Storage format converter</a:t>
+            </a:r>
+            <a:endParaRPr kumimoji="0" lang="en-US" altLang="en-US" sz="1800" b="0" i="0" u="none" strike="noStrike" cap="none" normalizeH="0" baseline="0" smtClean="0">
+              <a:ln>
+                <a:noFill/>
+              </a:ln>
+              <a:solidFill>
+                <a:schemeClr val="tx1"/>
+              </a:solidFill>
+              <a:effectLst/>
+              <a:latin typeface="Arial" pitchFamily="34" charset="0"/>
+              <a:cs typeface="Arial" pitchFamily="34" charset="0"/>
+            </a:endParaRPr>
+          </a:p>
+        </p:txBody>
+      </p:sp>
+      <p:sp>
+        <p:nvSpPr>
+          <p:cNvPr id="6" name="Oval 8"/>
+          <p:cNvSpPr>
+            <a:spLocks noChangeArrowheads="1"/>
+          </p:cNvSpPr>
+          <p:nvPr/>
+        </p:nvSpPr>
+        <p:spPr bwMode="auto">
+          <a:xfrm>
+            <a:off x="4114800" y="2701925"/>
+            <a:ext cx="1001713" cy="620713"/>
+          </a:xfrm>
+          <a:prstGeom prst="ellipse">
+            <a:avLst/>
+          </a:prstGeom>
+          <a:solidFill>
+            <a:srgbClr val="FFFFFF"/>
+          </a:solidFill>
+          <a:ln w="9525">
+            <a:solidFill>
+              <a:srgbClr val="000000"/>
+            </a:solidFill>
+            <a:round/>
+            <a:headEnd/>
+            <a:tailEnd/>
+          </a:ln>
+        </p:spPr>
+        <p:txBody>
+          <a:bodyPr vert="horz" wrap="square" lIns="91440" tIns="45720" rIns="91440" bIns="45720" numCol="1" anchor="t" anchorCtr="0" compatLnSpc="1">
+            <a:prstTxWarp prst="textNoShape">
+              <a:avLst/>
+            </a:prstTxWarp>
+          </a:bodyPr>
+          <a:lstStyle/>
+          <a:p>
+            <a:pPr marL="0" marR="0" lvl="0" indent="0" algn="ctr" defTabSz="914400" rtl="0" eaLnBrk="1" fontAlgn="base" latinLnBrk="0" hangingPunct="1">
+              <a:lnSpc>
+                <a:spcPct val="100000"/>
+              </a:lnSpc>
+              <a:spcBef>
+                <a:spcPct val="0"/>
+              </a:spcBef>
+              <a:spcAft>
+                <a:spcPts val="1000"/>
+              </a:spcAft>
+              <a:buClrTx/>
+              <a:buSzTx/>
+              <a:buFontTx/>
+              <a:buNone/>
+              <a:tabLst/>
+            </a:pPr>
+            <a:r>
+              <a:rPr kumimoji="0" lang="nl-NL" altLang="en-US" sz="1100" b="0" i="0" u="none" strike="noStrike" cap="none" normalizeH="0" baseline="0" smtClean="0">
+                <a:ln>
+                  <a:noFill/>
+                </a:ln>
+                <a:solidFill>
+                  <a:schemeClr val="tx1"/>
+                </a:solidFill>
+                <a:effectLst/>
+                <a:latin typeface="Calibri" pitchFamily="34" charset="0"/>
+                <a:cs typeface="Arial" pitchFamily="34" charset="0"/>
+              </a:rPr>
+              <a:t>Convert</a:t>
+            </a:r>
+            <a:endParaRPr kumimoji="0" lang="en-US" altLang="en-US" sz="1800" b="0" i="0" u="none" strike="noStrike" cap="none" normalizeH="0" baseline="0" smtClean="0">
+              <a:ln>
+                <a:noFill/>
+              </a:ln>
+              <a:solidFill>
+                <a:schemeClr val="tx1"/>
+              </a:solidFill>
+              <a:effectLst/>
+              <a:latin typeface="Arial" pitchFamily="34" charset="0"/>
+              <a:cs typeface="Arial" pitchFamily="34" charset="0"/>
+            </a:endParaRPr>
+          </a:p>
+        </p:txBody>
+      </p:sp>
+      <p:cxnSp>
+        <p:nvCxnSpPr>
+          <p:cNvPr id="7" name="AutoShape 9"/>
+          <p:cNvCxnSpPr>
+            <a:cxnSpLocks noChangeShapeType="1"/>
+            <a:endCxn id="6" idx="2"/>
+          </p:cNvCxnSpPr>
+          <p:nvPr/>
+        </p:nvCxnSpPr>
+        <p:spPr bwMode="auto">
+          <a:xfrm>
+            <a:off x="3111500" y="2824956"/>
+            <a:ext cx="1003300" cy="187326"/>
+          </a:xfrm>
+          <a:prstGeom prst="straightConnector1">
+            <a:avLst/>
+          </a:prstGeom>
+          <a:noFill/>
+          <a:ln w="9525">
+            <a:solidFill>
+              <a:srgbClr val="000000"/>
+            </a:solidFill>
+            <a:round/>
+            <a:headEnd/>
+            <a:tailEnd type="triangle" w="med" len="med"/>
+          </a:ln>
+          <a:extLst>
+            <a:ext uri="{909E8E84-426E-40DD-AFC4-6F175D3DCCD1}">
+              <a14:hiddenFill xmlns:a14="http://schemas.microsoft.com/office/drawing/2010/main">
+                <a:noFill/>
+              </a14:hiddenFill>
+            </a:ext>
+          </a:extLst>
+        </p:spPr>
+      </p:cxnSp>
+      <p:sp>
+        <p:nvSpPr>
+          <p:cNvPr id="8" name="Oval 10"/>
+          <p:cNvSpPr>
+            <a:spLocks noChangeArrowheads="1"/>
+          </p:cNvSpPr>
+          <p:nvPr/>
+        </p:nvSpPr>
+        <p:spPr bwMode="auto">
+          <a:xfrm>
+            <a:off x="2843808" y="3805238"/>
+            <a:ext cx="1270992" cy="620712"/>
+          </a:xfrm>
+          <a:prstGeom prst="ellipse">
+            <a:avLst/>
+          </a:prstGeom>
+          <a:solidFill>
+            <a:srgbClr val="FFFFFF"/>
+          </a:solidFill>
+          <a:ln w="9525">
+            <a:solidFill>
+              <a:srgbClr val="000000"/>
+            </a:solidFill>
+            <a:round/>
+            <a:headEnd/>
+            <a:tailEnd/>
+          </a:ln>
+        </p:spPr>
+        <p:txBody>
+          <a:bodyPr vert="horz" wrap="square" lIns="91440" tIns="45720" rIns="91440" bIns="45720" numCol="1" anchor="t" anchorCtr="0" compatLnSpc="1">
+            <a:prstTxWarp prst="textNoShape">
+              <a:avLst/>
+            </a:prstTxWarp>
+          </a:bodyPr>
+          <a:lstStyle/>
+          <a:p>
+            <a:pPr marL="0" marR="0" lvl="0" indent="0" algn="ctr" defTabSz="914400" rtl="0" eaLnBrk="1" fontAlgn="base" latinLnBrk="0" hangingPunct="1">
+              <a:lnSpc>
+                <a:spcPct val="100000"/>
+              </a:lnSpc>
+              <a:spcBef>
+                <a:spcPct val="0"/>
+              </a:spcBef>
+              <a:spcAft>
+                <a:spcPts val="1000"/>
+              </a:spcAft>
+              <a:buClrTx/>
+              <a:buSzTx/>
+              <a:buFontTx/>
+              <a:buNone/>
+              <a:tabLst/>
+            </a:pPr>
+            <a:r>
+              <a:rPr kumimoji="0" lang="nl-NL" altLang="en-US" sz="1100" b="0" i="0" u="none" strike="noStrike" cap="none" normalizeH="0" baseline="0" dirty="0" smtClean="0">
+                <a:ln>
+                  <a:noFill/>
+                </a:ln>
+                <a:solidFill>
+                  <a:schemeClr val="tx1"/>
+                </a:solidFill>
+                <a:effectLst/>
+                <a:latin typeface="Calibri" pitchFamily="34" charset="0"/>
+                <a:cs typeface="Arial" pitchFamily="34" charset="0"/>
+              </a:rPr>
+              <a:t>Read </a:t>
+            </a:r>
+            <a:r>
+              <a:rPr kumimoji="0" lang="nl-NL" altLang="en-US" sz="1100" b="0" i="0" u="none" strike="noStrike" cap="none" normalizeH="0" baseline="0" dirty="0" err="1" smtClean="0">
+                <a:ln>
+                  <a:noFill/>
+                </a:ln>
+                <a:solidFill>
+                  <a:schemeClr val="tx1"/>
+                </a:solidFill>
+                <a:effectLst/>
+                <a:latin typeface="Calibri" pitchFamily="34" charset="0"/>
+                <a:cs typeface="Arial" pitchFamily="34" charset="0"/>
+              </a:rPr>
+              <a:t>references</a:t>
+            </a:r>
+            <a:endParaRPr kumimoji="0" lang="en-US" altLang="en-US" sz="1800" b="0" i="0" u="none" strike="noStrike" cap="none" normalizeH="0" baseline="0" dirty="0" smtClean="0">
+              <a:ln>
+                <a:noFill/>
+              </a:ln>
+              <a:solidFill>
+                <a:schemeClr val="tx1"/>
+              </a:solidFill>
+              <a:effectLst/>
+              <a:latin typeface="Arial" pitchFamily="34" charset="0"/>
+              <a:cs typeface="Arial" pitchFamily="34" charset="0"/>
+            </a:endParaRPr>
+          </a:p>
+        </p:txBody>
+      </p:sp>
+      <p:sp>
+        <p:nvSpPr>
+          <p:cNvPr id="9" name="Oval 11"/>
+          <p:cNvSpPr>
+            <a:spLocks noChangeArrowheads="1"/>
+          </p:cNvSpPr>
+          <p:nvPr/>
+        </p:nvSpPr>
+        <p:spPr bwMode="auto">
+          <a:xfrm>
+            <a:off x="4427984" y="3805238"/>
+            <a:ext cx="1153666" cy="620712"/>
+          </a:xfrm>
+          <a:prstGeom prst="ellipse">
+            <a:avLst/>
+          </a:prstGeom>
+          <a:solidFill>
+            <a:srgbClr val="FFFFFF"/>
+          </a:solidFill>
+          <a:ln w="9525">
+            <a:solidFill>
+              <a:srgbClr val="000000"/>
+            </a:solidFill>
+            <a:round/>
+            <a:headEnd/>
+            <a:tailEnd/>
+          </a:ln>
+        </p:spPr>
+        <p:txBody>
+          <a:bodyPr vert="horz" wrap="square" lIns="91440" tIns="45720" rIns="91440" bIns="45720" numCol="1" anchor="t" anchorCtr="0" compatLnSpc="1">
+            <a:prstTxWarp prst="textNoShape">
+              <a:avLst/>
+            </a:prstTxWarp>
+          </a:bodyPr>
+          <a:lstStyle/>
+          <a:p>
+            <a:pPr marL="0" marR="0" lvl="0" indent="0" algn="ctr" defTabSz="914400" rtl="0" eaLnBrk="1" fontAlgn="base" latinLnBrk="0" hangingPunct="1">
+              <a:lnSpc>
+                <a:spcPct val="100000"/>
+              </a:lnSpc>
+              <a:spcBef>
+                <a:spcPct val="0"/>
+              </a:spcBef>
+              <a:spcAft>
+                <a:spcPts val="1000"/>
+              </a:spcAft>
+              <a:buClrTx/>
+              <a:buSzTx/>
+              <a:buFontTx/>
+              <a:buNone/>
+              <a:tabLst/>
+            </a:pPr>
+            <a:r>
+              <a:rPr kumimoji="0" lang="nl-NL" altLang="en-US" sz="1100" b="0" i="0" u="none" strike="noStrike" cap="none" normalizeH="0" baseline="0" smtClean="0">
+                <a:ln>
+                  <a:noFill/>
+                </a:ln>
+                <a:solidFill>
+                  <a:schemeClr val="tx1"/>
+                </a:solidFill>
+                <a:effectLst/>
+                <a:latin typeface="Calibri" pitchFamily="34" charset="0"/>
+                <a:cs typeface="Arial" pitchFamily="34" charset="0"/>
+              </a:rPr>
+              <a:t>Save references</a:t>
+            </a:r>
+            <a:endParaRPr kumimoji="0" lang="en-US" altLang="en-US" sz="1800" b="0" i="0" u="none" strike="noStrike" cap="none" normalizeH="0" baseline="0" smtClean="0">
+              <a:ln>
+                <a:noFill/>
+              </a:ln>
+              <a:solidFill>
+                <a:schemeClr val="tx1"/>
+              </a:solidFill>
+              <a:effectLst/>
+              <a:latin typeface="Arial" pitchFamily="34" charset="0"/>
+              <a:cs typeface="Arial" pitchFamily="34" charset="0"/>
+            </a:endParaRPr>
+          </a:p>
+        </p:txBody>
+      </p:sp>
+      <p:sp>
+        <p:nvSpPr>
+          <p:cNvPr id="10" name="Rectangle 14"/>
+          <p:cNvSpPr>
+            <a:spLocks noChangeArrowheads="1"/>
+          </p:cNvSpPr>
+          <p:nvPr/>
+        </p:nvSpPr>
+        <p:spPr bwMode="auto">
+          <a:xfrm>
+            <a:off x="3616972" y="5165666"/>
+            <a:ext cx="1289050" cy="717550"/>
+          </a:xfrm>
+          <a:prstGeom prst="rect">
+            <a:avLst/>
+          </a:prstGeom>
+          <a:solidFill>
+            <a:srgbClr val="FFFFFF"/>
+          </a:solidFill>
+          <a:ln w="9525">
+            <a:solidFill>
+              <a:srgbClr val="000000"/>
+            </a:solidFill>
+            <a:miter lim="800000"/>
+            <a:headEnd/>
+            <a:tailEnd/>
+          </a:ln>
+        </p:spPr>
+        <p:txBody>
+          <a:bodyPr vert="horz" wrap="square" lIns="91440" tIns="45720" rIns="91440" bIns="45720" numCol="1" anchor="t" anchorCtr="0" compatLnSpc="1">
+            <a:prstTxWarp prst="textNoShape">
+              <a:avLst/>
+            </a:prstTxWarp>
+          </a:bodyPr>
+          <a:lstStyle/>
+          <a:p>
+            <a:pPr marL="0" marR="0" lvl="0" indent="0" algn="ctr" defTabSz="914400" rtl="0" eaLnBrk="1" fontAlgn="base" latinLnBrk="0" hangingPunct="1">
+              <a:lnSpc>
+                <a:spcPct val="100000"/>
+              </a:lnSpc>
+              <a:spcBef>
+                <a:spcPct val="0"/>
+              </a:spcBef>
+              <a:spcAft>
+                <a:spcPts val="1000"/>
+              </a:spcAft>
+              <a:buClrTx/>
+              <a:buSzTx/>
+              <a:buFontTx/>
+              <a:buNone/>
+              <a:tabLst/>
+            </a:pPr>
+            <a:r>
+              <a:rPr kumimoji="0" lang="nl-NL" altLang="en-US" sz="1100" b="0" i="0" u="none" strike="noStrike" cap="none" normalizeH="0" baseline="0" smtClean="0">
+                <a:ln>
+                  <a:noFill/>
+                </a:ln>
+                <a:solidFill>
+                  <a:schemeClr val="tx1"/>
+                </a:solidFill>
+                <a:effectLst/>
+                <a:latin typeface="Calibri" pitchFamily="34" charset="0"/>
+                <a:cs typeface="Arial" pitchFamily="34" charset="0"/>
+              </a:rPr>
+              <a:t>Data store</a:t>
+            </a:r>
+            <a:endParaRPr kumimoji="0" lang="en-US" altLang="en-US" sz="1800" b="0" i="0" u="none" strike="noStrike" cap="none" normalizeH="0" baseline="0" smtClean="0">
+              <a:ln>
+                <a:noFill/>
+              </a:ln>
+              <a:solidFill>
+                <a:schemeClr val="tx1"/>
+              </a:solidFill>
+              <a:effectLst/>
+              <a:latin typeface="Arial" pitchFamily="34" charset="0"/>
+              <a:cs typeface="Arial" pitchFamily="34" charset="0"/>
+            </a:endParaRPr>
+          </a:p>
+        </p:txBody>
+      </p:sp>
+      <p:cxnSp>
+        <p:nvCxnSpPr>
+          <p:cNvPr id="11" name="AutoShape 9"/>
+          <p:cNvCxnSpPr>
+            <a:cxnSpLocks noChangeShapeType="1"/>
+            <a:endCxn id="6" idx="1"/>
+          </p:cNvCxnSpPr>
+          <p:nvPr/>
+        </p:nvCxnSpPr>
+        <p:spPr bwMode="auto">
+          <a:xfrm>
+            <a:off x="3711575" y="1971674"/>
+            <a:ext cx="549922" cy="821152"/>
+          </a:xfrm>
+          <a:prstGeom prst="straightConnector1">
+            <a:avLst/>
+          </a:prstGeom>
+          <a:noFill/>
+          <a:ln w="9525">
+            <a:solidFill>
+              <a:srgbClr val="000000"/>
+            </a:solidFill>
+            <a:round/>
+            <a:headEnd/>
+            <a:tailEnd type="triangle" w="med" len="med"/>
+          </a:ln>
+          <a:extLst>
+            <a:ext uri="{909E8E84-426E-40DD-AFC4-6F175D3DCCD1}">
+              <a14:hiddenFill xmlns:a14="http://schemas.microsoft.com/office/drawing/2010/main">
+                <a:noFill/>
+              </a14:hiddenFill>
+            </a:ext>
+          </a:extLst>
+        </p:spPr>
+      </p:cxnSp>
+      <p:cxnSp>
+        <p:nvCxnSpPr>
+          <p:cNvPr id="12" name="AutoShape 9"/>
+          <p:cNvCxnSpPr>
+            <a:cxnSpLocks noChangeShapeType="1"/>
+            <a:stCxn id="6" idx="7"/>
+          </p:cNvCxnSpPr>
+          <p:nvPr/>
+        </p:nvCxnSpPr>
+        <p:spPr bwMode="auto">
+          <a:xfrm flipV="1">
+            <a:off x="4969816" y="1971675"/>
+            <a:ext cx="326084" cy="821151"/>
+          </a:xfrm>
+          <a:prstGeom prst="straightConnector1">
+            <a:avLst/>
+          </a:prstGeom>
+          <a:noFill/>
+          <a:ln w="9525">
+            <a:solidFill>
+              <a:srgbClr val="000000"/>
+            </a:solidFill>
+            <a:round/>
+            <a:headEnd/>
+            <a:tailEnd type="triangle" w="med" len="med"/>
+          </a:ln>
+          <a:extLst>
+            <a:ext uri="{909E8E84-426E-40DD-AFC4-6F175D3DCCD1}">
+              <a14:hiddenFill xmlns:a14="http://schemas.microsoft.com/office/drawing/2010/main">
+                <a:noFill/>
+              </a14:hiddenFill>
+            </a:ext>
+          </a:extLst>
+        </p:spPr>
+      </p:cxnSp>
+      <p:cxnSp>
+        <p:nvCxnSpPr>
+          <p:cNvPr id="13" name="AutoShape 13"/>
+          <p:cNvCxnSpPr>
+            <a:cxnSpLocks noChangeShapeType="1"/>
+            <a:stCxn id="8" idx="1"/>
+            <a:endCxn id="6" idx="3"/>
+          </p:cNvCxnSpPr>
+          <p:nvPr/>
+        </p:nvCxnSpPr>
+        <p:spPr bwMode="auto">
+          <a:xfrm flipV="1">
+            <a:off x="3029940" y="3231737"/>
+            <a:ext cx="1231557" cy="664402"/>
+          </a:xfrm>
+          <a:prstGeom prst="straightConnector1">
+            <a:avLst/>
+          </a:prstGeom>
+          <a:noFill/>
+          <a:ln w="9525">
+            <a:solidFill>
+              <a:srgbClr val="000000"/>
+            </a:solidFill>
+            <a:round/>
+            <a:headEnd/>
+            <a:tailEnd type="triangle" w="med" len="med"/>
+          </a:ln>
+          <a:extLst>
+            <a:ext uri="{909E8E84-426E-40DD-AFC4-6F175D3DCCD1}">
+              <a14:hiddenFill xmlns:a14="http://schemas.microsoft.com/office/drawing/2010/main">
+                <a:noFill/>
+              </a14:hiddenFill>
+            </a:ext>
+          </a:extLst>
+        </p:spPr>
+      </p:cxnSp>
+      <p:cxnSp>
+        <p:nvCxnSpPr>
+          <p:cNvPr id="14" name="AutoShape 12"/>
+          <p:cNvCxnSpPr>
+            <a:cxnSpLocks noChangeShapeType="1"/>
+            <a:stCxn id="6" idx="5"/>
+            <a:endCxn id="9" idx="7"/>
+          </p:cNvCxnSpPr>
+          <p:nvPr/>
+        </p:nvCxnSpPr>
+        <p:spPr bwMode="auto">
+          <a:xfrm>
+            <a:off x="4969816" y="3231737"/>
+            <a:ext cx="442884" cy="664402"/>
+          </a:xfrm>
+          <a:prstGeom prst="straightConnector1">
+            <a:avLst/>
+          </a:prstGeom>
+          <a:noFill/>
+          <a:ln w="9525">
+            <a:solidFill>
+              <a:srgbClr val="000000"/>
+            </a:solidFill>
+            <a:round/>
+            <a:headEnd/>
+            <a:tailEnd type="triangle" w="med" len="med"/>
+          </a:ln>
+          <a:extLst>
+            <a:ext uri="{909E8E84-426E-40DD-AFC4-6F175D3DCCD1}">
+              <a14:hiddenFill xmlns:a14="http://schemas.microsoft.com/office/drawing/2010/main">
+                <a:noFill/>
+              </a14:hiddenFill>
+            </a:ext>
+          </a:extLst>
+        </p:spPr>
+      </p:cxnSp>
+      <p:cxnSp>
+        <p:nvCxnSpPr>
+          <p:cNvPr id="15" name="AutoShape 12"/>
+          <p:cNvCxnSpPr>
+            <a:cxnSpLocks noChangeShapeType="1"/>
+            <a:stCxn id="9" idx="5"/>
+            <a:endCxn id="10" idx="0"/>
+          </p:cNvCxnSpPr>
+          <p:nvPr/>
+        </p:nvCxnSpPr>
+        <p:spPr bwMode="auto">
+          <a:xfrm flipH="1">
+            <a:off x="4261497" y="4335049"/>
+            <a:ext cx="1151203" cy="830617"/>
+          </a:xfrm>
+          <a:prstGeom prst="straightConnector1">
+            <a:avLst/>
+          </a:prstGeom>
+          <a:noFill/>
+          <a:ln w="9525">
+            <a:solidFill>
+              <a:srgbClr val="000000"/>
+            </a:solidFill>
+            <a:round/>
+            <a:headEnd/>
+            <a:tailEnd type="triangle" w="med" len="med"/>
+          </a:ln>
+          <a:extLst>
+            <a:ext uri="{909E8E84-426E-40DD-AFC4-6F175D3DCCD1}">
+              <a14:hiddenFill xmlns:a14="http://schemas.microsoft.com/office/drawing/2010/main">
+                <a:noFill/>
+              </a14:hiddenFill>
+            </a:ext>
+          </a:extLst>
+        </p:spPr>
+      </p:cxnSp>
+      <p:cxnSp>
+        <p:nvCxnSpPr>
+          <p:cNvPr id="16" name="AutoShape 13"/>
+          <p:cNvCxnSpPr>
+            <a:cxnSpLocks noChangeShapeType="1"/>
+            <a:stCxn id="10" idx="0"/>
+            <a:endCxn id="8" idx="3"/>
+          </p:cNvCxnSpPr>
+          <p:nvPr/>
+        </p:nvCxnSpPr>
+        <p:spPr bwMode="auto">
+          <a:xfrm flipH="1" flipV="1">
+            <a:off x="3029940" y="4335049"/>
+            <a:ext cx="1231557" cy="830617"/>
+          </a:xfrm>
+          <a:prstGeom prst="straightConnector1">
+            <a:avLst/>
+          </a:prstGeom>
+          <a:noFill/>
+          <a:ln w="9525">
+            <a:solidFill>
+              <a:srgbClr val="000000"/>
+            </a:solidFill>
+            <a:round/>
+            <a:headEnd/>
+            <a:tailEnd type="triangle" w="med" len="med"/>
+          </a:ln>
+          <a:extLst>
+            <a:ext uri="{909E8E84-426E-40DD-AFC4-6F175D3DCCD1}">
+              <a14:hiddenFill xmlns:a14="http://schemas.microsoft.com/office/drawing/2010/main">
+                <a:noFill/>
+              </a14:hiddenFill>
+            </a:ext>
+          </a:extLst>
+        </p:spPr>
+      </p:cxnSp>
+      <p:sp>
+        <p:nvSpPr>
+          <p:cNvPr id="17" name="Tekstvak 16"/>
+          <p:cNvSpPr txBox="1"/>
+          <p:nvPr/>
+        </p:nvSpPr>
+        <p:spPr>
+          <a:xfrm>
+            <a:off x="3348395" y="4404319"/>
+            <a:ext cx="1784463" cy="430887"/>
+          </a:xfrm>
+          <a:prstGeom prst="rect">
+            <a:avLst/>
+          </a:prstGeom>
+          <a:noFill/>
+        </p:spPr>
+        <p:txBody>
+          <a:bodyPr wrap="none" rtlCol="0">
+            <a:spAutoFit/>
+          </a:bodyPr>
+          <a:lstStyle/>
+          <a:p>
+            <a:pPr lvl="0"/>
+            <a:r>
+              <a:rPr kumimoji="0" lang="nl-NL" altLang="en-US" sz="1100" b="0" i="0" u="none" strike="noStrike" cap="none" normalizeH="0" baseline="0" dirty="0" smtClean="0">
+                <a:ln>
+                  <a:noFill/>
+                </a:ln>
+                <a:solidFill>
+                  <a:schemeClr val="tx1"/>
+                </a:solidFill>
+                <a:effectLst/>
+                <a:latin typeface="Calibri" pitchFamily="34" charset="0"/>
+                <a:cs typeface="Arial" pitchFamily="34" charset="0"/>
+              </a:rPr>
+              <a:t>List of </a:t>
+            </a:r>
+            <a:r>
+              <a:rPr kumimoji="0" lang="nl-NL" altLang="en-US" sz="1100" b="0" i="0" u="none" strike="noStrike" cap="none" normalizeH="0" baseline="0" dirty="0" err="1" smtClean="0">
+                <a:ln>
+                  <a:noFill/>
+                </a:ln>
+                <a:solidFill>
+                  <a:schemeClr val="tx1"/>
+                </a:solidFill>
+                <a:effectLst/>
+                <a:latin typeface="Calibri" pitchFamily="34" charset="0"/>
+                <a:cs typeface="Arial" pitchFamily="34" charset="0"/>
+              </a:rPr>
+              <a:t>converted</a:t>
+            </a:r>
+            <a:r>
+              <a:rPr kumimoji="0" lang="nl-NL" altLang="en-US" sz="1100" b="0" i="0" u="none" strike="noStrike" cap="none" normalizeH="0" dirty="0" smtClean="0">
+                <a:ln>
+                  <a:noFill/>
+                </a:ln>
+                <a:solidFill>
+                  <a:schemeClr val="tx1"/>
+                </a:solidFill>
+                <a:effectLst/>
+                <a:latin typeface="Calibri" pitchFamily="34" charset="0"/>
+                <a:cs typeface="Arial" pitchFamily="34" charset="0"/>
+              </a:rPr>
+              <a:t> </a:t>
+            </a:r>
+            <a:r>
+              <a:rPr kumimoji="0" lang="nl-NL" altLang="en-US" sz="1100" b="0" i="0" u="none" strike="noStrike" cap="none" normalizeH="0" baseline="0" dirty="0" err="1" smtClean="0">
+                <a:ln>
+                  <a:noFill/>
+                </a:ln>
+                <a:solidFill>
+                  <a:schemeClr val="tx1"/>
+                </a:solidFill>
+                <a:effectLst/>
+                <a:latin typeface="Calibri" pitchFamily="34" charset="0"/>
+                <a:cs typeface="Arial" pitchFamily="34" charset="0"/>
+              </a:rPr>
+              <a:t>references</a:t>
+            </a:r>
+            <a:endParaRPr kumimoji="0" lang="en-US" altLang="en-US" sz="1100" b="0" i="0" u="none" strike="noStrike" cap="none" normalizeH="0" baseline="0" dirty="0" smtClean="0">
+              <a:ln>
+                <a:noFill/>
+              </a:ln>
+              <a:solidFill>
+                <a:schemeClr val="tx1"/>
+              </a:solidFill>
+              <a:effectLst/>
+              <a:latin typeface="Arial" pitchFamily="34" charset="0"/>
+              <a:cs typeface="Arial" pitchFamily="34" charset="0"/>
+            </a:endParaRPr>
+          </a:p>
+          <a:p>
+            <a:endParaRPr lang="en-US" sz="1100" dirty="0"/>
+          </a:p>
+        </p:txBody>
+      </p:sp>
+      <p:sp>
+        <p:nvSpPr>
+          <p:cNvPr id="18" name="Tekstvak 17"/>
+          <p:cNvSpPr txBox="1"/>
+          <p:nvPr/>
+        </p:nvSpPr>
+        <p:spPr>
+          <a:xfrm>
+            <a:off x="3471494" y="3563938"/>
+            <a:ext cx="1784463" cy="430887"/>
+          </a:xfrm>
+          <a:prstGeom prst="rect">
+            <a:avLst/>
+          </a:prstGeom>
+          <a:noFill/>
+        </p:spPr>
+        <p:txBody>
+          <a:bodyPr wrap="none" rtlCol="0">
+            <a:spAutoFit/>
+          </a:bodyPr>
+          <a:lstStyle/>
+          <a:p>
+            <a:pPr lvl="0"/>
+            <a:r>
+              <a:rPr kumimoji="0" lang="nl-NL" altLang="en-US" sz="1100" b="0" i="0" u="none" strike="noStrike" cap="none" normalizeH="0" baseline="0" dirty="0" smtClean="0">
+                <a:ln>
+                  <a:noFill/>
+                </a:ln>
+                <a:solidFill>
+                  <a:schemeClr val="tx1"/>
+                </a:solidFill>
+                <a:effectLst/>
+                <a:latin typeface="Calibri" pitchFamily="34" charset="0"/>
+                <a:cs typeface="Arial" pitchFamily="34" charset="0"/>
+              </a:rPr>
+              <a:t>List of </a:t>
+            </a:r>
+            <a:r>
+              <a:rPr kumimoji="0" lang="nl-NL" altLang="en-US" sz="1100" b="0" i="0" u="none" strike="noStrike" cap="none" normalizeH="0" baseline="0" dirty="0" err="1" smtClean="0">
+                <a:ln>
+                  <a:noFill/>
+                </a:ln>
+                <a:solidFill>
+                  <a:schemeClr val="tx1"/>
+                </a:solidFill>
+                <a:effectLst/>
+                <a:latin typeface="Calibri" pitchFamily="34" charset="0"/>
+                <a:cs typeface="Arial" pitchFamily="34" charset="0"/>
+              </a:rPr>
+              <a:t>converted</a:t>
+            </a:r>
+            <a:r>
+              <a:rPr kumimoji="0" lang="nl-NL" altLang="en-US" sz="1100" b="0" i="0" u="none" strike="noStrike" cap="none" normalizeH="0" dirty="0" smtClean="0">
+                <a:ln>
+                  <a:noFill/>
+                </a:ln>
+                <a:solidFill>
+                  <a:schemeClr val="tx1"/>
+                </a:solidFill>
+                <a:effectLst/>
+                <a:latin typeface="Calibri" pitchFamily="34" charset="0"/>
+                <a:cs typeface="Arial" pitchFamily="34" charset="0"/>
+              </a:rPr>
+              <a:t> </a:t>
+            </a:r>
+            <a:r>
+              <a:rPr kumimoji="0" lang="nl-NL" altLang="en-US" sz="1100" b="0" i="0" u="none" strike="noStrike" cap="none" normalizeH="0" baseline="0" dirty="0" err="1" smtClean="0">
+                <a:ln>
+                  <a:noFill/>
+                </a:ln>
+                <a:solidFill>
+                  <a:schemeClr val="tx1"/>
+                </a:solidFill>
+                <a:effectLst/>
+                <a:latin typeface="Calibri" pitchFamily="34" charset="0"/>
+                <a:cs typeface="Arial" pitchFamily="34" charset="0"/>
+              </a:rPr>
+              <a:t>references</a:t>
+            </a:r>
+            <a:endParaRPr kumimoji="0" lang="en-US" altLang="en-US" sz="1100" b="0" i="0" u="none" strike="noStrike" cap="none" normalizeH="0" baseline="0" dirty="0" smtClean="0">
+              <a:ln>
+                <a:noFill/>
+              </a:ln>
+              <a:solidFill>
+                <a:schemeClr val="tx1"/>
+              </a:solidFill>
+              <a:effectLst/>
+              <a:latin typeface="Arial" pitchFamily="34" charset="0"/>
+              <a:cs typeface="Arial" pitchFamily="34" charset="0"/>
+            </a:endParaRPr>
+          </a:p>
+          <a:p>
+            <a:endParaRPr lang="en-US" sz="1100" dirty="0"/>
+          </a:p>
+        </p:txBody>
+      </p:sp>
     </p:spTree>
     <p:extLst>
       <p:ext uri="{BB962C8B-B14F-4D97-AF65-F5344CB8AC3E}">
